--- a/Lab1/WeatherStationArchitecture-65C3FBA8.pptx
+++ b/Lab1/WeatherStationArchitecture-65C3FBA8.pptx
@@ -107,6 +107,11 @@
       </a:defRPr>
     </a:lvl9pPr>
   </p:defaultTextStyle>
+  <p:extLst>
+    <p:ext uri="{EFAFB233-063F-42B5-8137-9DF3F51BA10A}">
+      <p15:sldGuideLst xmlns:p15="http://schemas.microsoft.com/office/powerpoint/2012/main"/>
+    </p:ext>
+  </p:extLst>
 </p:presentation>
 </file>
 
@@ -192,7 +197,7 @@
           <a:p>
             <a:fld id="{534244C4-3AD8-E24F-B2DD-CF334D95139A}" type="datetimeFigureOut">
               <a:rPr kumimoji="1" lang="zh-CN" altLang="en-US" smtClean="0"/>
-              <a:t>2019/4/5</a:t>
+              <a:t>2019/4/7</a:t>
             </a:fld>
             <a:endParaRPr kumimoji="1" lang="zh-CN" altLang="en-US"/>
           </a:p>
@@ -692,9 +697,29 @@
                 <a:ea typeface="+mn-ea"/>
                 <a:cs typeface="+mn-cs"/>
               </a:rPr>
-              <a:t>data that is stored longer term and used for batch processing.</a:t>
-            </a:r>
-            <a:endParaRPr lang="en" altLang="zh-CN" dirty="0"/>
+              <a:t>data that is stored longer term and used for batch </a:t>
+            </a:r>
+            <a:r>
+              <a:rPr lang="en" altLang="zh-CN" sz="1200" kern="1200">
+                <a:solidFill>
+                  <a:schemeClr val="tx1"/>
+                </a:solidFill>
+                <a:effectLst/>
+                <a:latin typeface="+mn-lt"/>
+                <a:ea typeface="+mn-ea"/>
+                <a:cs typeface="+mn-cs"/>
+              </a:rPr>
+              <a:t>processing.</a:t>
+            </a:r>
+            <a:endParaRPr lang="en-US" altLang="zh-CN" sz="1200" kern="1200" dirty="0">
+              <a:solidFill>
+                <a:schemeClr val="tx1"/>
+              </a:solidFill>
+              <a:effectLst/>
+              <a:latin typeface="+mn-lt"/>
+              <a:ea typeface="+mn-ea"/>
+              <a:cs typeface="+mn-cs"/>
+            </a:endParaRPr>
           </a:p>
           <a:p>
             <a:pPr marL="228600" marR="0" lvl="0" indent="-228600" algn="l" defTabSz="914400" rtl="0" eaLnBrk="1" fontAlgn="auto" latinLnBrk="0" hangingPunct="1">
@@ -715,41 +740,6 @@
               <a:defRPr/>
             </a:pPr>
             <a:r>
-              <a:rPr lang="en" altLang="zh-CN" dirty="0"/>
-              <a:t>UI: </a:t>
-            </a:r>
-            <a:r>
-              <a:rPr lang="en-US" altLang="zh-CN" sz="1200" kern="1200" dirty="0">
-                <a:solidFill>
-                  <a:schemeClr val="tx1"/>
-                </a:solidFill>
-                <a:effectLst/>
-                <a:latin typeface="+mn-lt"/>
-                <a:ea typeface="+mn-ea"/>
-                <a:cs typeface="+mn-cs"/>
-              </a:rPr>
-              <a:t>Azure Time Series Insights is chosen for time series specific reporting in our case.</a:t>
-            </a:r>
-          </a:p>
-          <a:p>
-            <a:pPr marL="228600" marR="0" lvl="0" indent="-228600" algn="l" defTabSz="914400" rtl="0" eaLnBrk="1" fontAlgn="auto" latinLnBrk="0" hangingPunct="1">
-              <a:lnSpc>
-                <a:spcPct val="100000"/>
-              </a:lnSpc>
-              <a:spcBef>
-                <a:spcPts val="0"/>
-              </a:spcBef>
-              <a:spcAft>
-                <a:spcPts val="0"/>
-              </a:spcAft>
-              <a:buClrTx/>
-              <a:buSzTx/>
-              <a:buFontTx/>
-              <a:buAutoNum type="arabicPeriod"/>
-              <a:tabLst/>
-              <a:defRPr/>
-            </a:pPr>
-            <a:r>
               <a:rPr lang="en-US" altLang="zh-CN" sz="1200" kern="1200" dirty="0">
                 <a:solidFill>
                   <a:schemeClr val="tx1"/>
@@ -767,11 +757,7 @@
             </a:r>
             <a:r>
               <a:rPr kumimoji="1" lang="en-US" altLang="zh-CN" dirty="0"/>
-              <a:t> </a:t>
-            </a:r>
-            <a:r>
-              <a:rPr kumimoji="1" lang="en-US" altLang="zh-CN"/>
-              <a:t>AZ3166 device.</a:t>
+              <a:t> AZ3166 device.</a:t>
             </a:r>
             <a:endParaRPr lang="en-US" altLang="zh-CN" dirty="0"/>
           </a:p>
@@ -1006,7 +992,7 @@
           <a:p>
             <a:fld id="{9F3CCDCD-0445-104A-842A-78429BF067B7}" type="datetimeFigureOut">
               <a:rPr kumimoji="1" lang="zh-CN" altLang="en-US" smtClean="0"/>
-              <a:t>2019/4/5</a:t>
+              <a:t>2019/4/7</a:t>
             </a:fld>
             <a:endParaRPr kumimoji="1" lang="zh-CN" altLang="en-US"/>
           </a:p>
@@ -1179,7 +1165,7 @@
           <a:p>
             <a:fld id="{9F3CCDCD-0445-104A-842A-78429BF067B7}" type="datetimeFigureOut">
               <a:rPr kumimoji="1" lang="zh-CN" altLang="en-US" smtClean="0"/>
-              <a:t>2019/4/5</a:t>
+              <a:t>2019/4/7</a:t>
             </a:fld>
             <a:endParaRPr kumimoji="1" lang="zh-CN" altLang="en-US"/>
           </a:p>
@@ -1362,7 +1348,7 @@
           <a:p>
             <a:fld id="{9F3CCDCD-0445-104A-842A-78429BF067B7}" type="datetimeFigureOut">
               <a:rPr kumimoji="1" lang="zh-CN" altLang="en-US" smtClean="0"/>
-              <a:t>2019/4/5</a:t>
+              <a:t>2019/4/7</a:t>
             </a:fld>
             <a:endParaRPr kumimoji="1" lang="zh-CN" altLang="en-US"/>
           </a:p>
@@ -1535,7 +1521,7 @@
           <a:p>
             <a:fld id="{9F3CCDCD-0445-104A-842A-78429BF067B7}" type="datetimeFigureOut">
               <a:rPr kumimoji="1" lang="zh-CN" altLang="en-US" smtClean="0"/>
-              <a:t>2019/4/5</a:t>
+              <a:t>2019/4/7</a:t>
             </a:fld>
             <a:endParaRPr kumimoji="1" lang="zh-CN" altLang="en-US"/>
           </a:p>
@@ -1813,7 +1799,7 @@
           <a:p>
             <a:fld id="{9F3CCDCD-0445-104A-842A-78429BF067B7}" type="datetimeFigureOut">
               <a:rPr kumimoji="1" lang="zh-CN" altLang="en-US" smtClean="0"/>
-              <a:t>2019/4/5</a:t>
+              <a:t>2019/4/7</a:t>
             </a:fld>
             <a:endParaRPr kumimoji="1" lang="zh-CN" altLang="en-US"/>
           </a:p>
@@ -2028,7 +2014,7 @@
           <a:p>
             <a:fld id="{9F3CCDCD-0445-104A-842A-78429BF067B7}" type="datetimeFigureOut">
               <a:rPr kumimoji="1" lang="zh-CN" altLang="en-US" smtClean="0"/>
-              <a:t>2019/4/5</a:t>
+              <a:t>2019/4/7</a:t>
             </a:fld>
             <a:endParaRPr kumimoji="1" lang="zh-CN" altLang="en-US"/>
           </a:p>
@@ -2396,7 +2382,7 @@
           <a:p>
             <a:fld id="{9F3CCDCD-0445-104A-842A-78429BF067B7}" type="datetimeFigureOut">
               <a:rPr kumimoji="1" lang="zh-CN" altLang="en-US" smtClean="0"/>
-              <a:t>2019/4/5</a:t>
+              <a:t>2019/4/7</a:t>
             </a:fld>
             <a:endParaRPr kumimoji="1" lang="zh-CN" altLang="en-US"/>
           </a:p>
@@ -2537,7 +2523,7 @@
           <a:p>
             <a:fld id="{9F3CCDCD-0445-104A-842A-78429BF067B7}" type="datetimeFigureOut">
               <a:rPr kumimoji="1" lang="zh-CN" altLang="en-US" smtClean="0"/>
-              <a:t>2019/4/5</a:t>
+              <a:t>2019/4/7</a:t>
             </a:fld>
             <a:endParaRPr kumimoji="1" lang="zh-CN" altLang="en-US"/>
           </a:p>
@@ -2650,7 +2636,7 @@
           <a:p>
             <a:fld id="{9F3CCDCD-0445-104A-842A-78429BF067B7}" type="datetimeFigureOut">
               <a:rPr kumimoji="1" lang="zh-CN" altLang="en-US" smtClean="0"/>
-              <a:t>2019/4/5</a:t>
+              <a:t>2019/4/7</a:t>
             </a:fld>
             <a:endParaRPr kumimoji="1" lang="zh-CN" altLang="en-US"/>
           </a:p>
@@ -2939,7 +2925,7 @@
           <a:p>
             <a:fld id="{9F3CCDCD-0445-104A-842A-78429BF067B7}" type="datetimeFigureOut">
               <a:rPr kumimoji="1" lang="zh-CN" altLang="en-US" smtClean="0"/>
-              <a:t>2019/4/5</a:t>
+              <a:t>2019/4/7</a:t>
             </a:fld>
             <a:endParaRPr kumimoji="1" lang="zh-CN" altLang="en-US"/>
           </a:p>
@@ -3230,7 +3216,7 @@
           <a:p>
             <a:fld id="{9F3CCDCD-0445-104A-842A-78429BF067B7}" type="datetimeFigureOut">
               <a:rPr kumimoji="1" lang="zh-CN" altLang="en-US" smtClean="0"/>
-              <a:t>2019/4/5</a:t>
+              <a:t>2019/4/7</a:t>
             </a:fld>
             <a:endParaRPr kumimoji="1" lang="zh-CN" altLang="en-US"/>
           </a:p>
@@ -3446,7 +3432,7 @@
           <a:p>
             <a:fld id="{9F3CCDCD-0445-104A-842A-78429BF067B7}" type="datetimeFigureOut">
               <a:rPr kumimoji="1" lang="zh-CN" altLang="en-US" smtClean="0"/>
-              <a:t>2019/4/5</a:t>
+              <a:t>2019/4/7</a:t>
             </a:fld>
             <a:endParaRPr kumimoji="1" lang="zh-CN" altLang="en-US"/>
           </a:p>
@@ -4756,119 +4742,6 @@
           </a:p>
         </p:txBody>
       </p:sp>
-      <p:sp>
-        <p:nvSpPr>
-          <p:cNvPr id="45" name="矩形 44">
-            <a:extLst>
-              <a:ext uri="{FF2B5EF4-FFF2-40B4-BE49-F238E27FC236}">
-                <a16:creationId xmlns:a16="http://schemas.microsoft.com/office/drawing/2014/main" id="{7E49D44B-98E2-5141-A23D-2D496DC0C802}"/>
-              </a:ext>
-            </a:extLst>
-          </p:cNvPr>
-          <p:cNvSpPr/>
-          <p:nvPr/>
-        </p:nvSpPr>
-        <p:spPr>
-          <a:xfrm>
-            <a:off x="3549113" y="1141346"/>
-            <a:ext cx="1689314" cy="771896"/>
-          </a:xfrm>
-          <a:prstGeom prst="rect">
-            <a:avLst/>
-          </a:prstGeom>
-          <a:solidFill>
-            <a:schemeClr val="accent6">
-              <a:lumMod val="75000"/>
-            </a:schemeClr>
-          </a:solidFill>
-        </p:spPr>
-        <p:style>
-          <a:lnRef idx="2">
-            <a:schemeClr val="accent1">
-              <a:shade val="50000"/>
-            </a:schemeClr>
-          </a:lnRef>
-          <a:fillRef idx="1">
-            <a:schemeClr val="accent1"/>
-          </a:fillRef>
-          <a:effectRef idx="0">
-            <a:schemeClr val="accent1"/>
-          </a:effectRef>
-          <a:fontRef idx="minor">
-            <a:schemeClr val="lt1"/>
-          </a:fontRef>
-        </p:style>
-        <p:txBody>
-          <a:bodyPr rtlCol="0" anchor="ctr"/>
-          <a:lstStyle/>
-          <a:p>
-            <a:pPr algn="ctr"/>
-            <a:r>
-              <a:rPr kumimoji="1" lang="en-US" altLang="zh-CN" sz="1200" dirty="0"/>
-              <a:t>UI</a:t>
-            </a:r>
-          </a:p>
-          <a:p>
-            <a:pPr algn="ctr"/>
-            <a:r>
-              <a:rPr kumimoji="1" lang="en-US" altLang="zh-CN" sz="1200" dirty="0"/>
-              <a:t>(</a:t>
-            </a:r>
-            <a:r>
-              <a:rPr lang="en-US" altLang="zh-CN" sz="1200" dirty="0"/>
-              <a:t>Azure Time Series Insights</a:t>
-            </a:r>
-            <a:r>
-              <a:rPr kumimoji="1" lang="en-US" altLang="zh-CN" sz="1200" dirty="0"/>
-              <a:t>)</a:t>
-            </a:r>
-            <a:endParaRPr kumimoji="1" lang="zh-CN" altLang="en-US" sz="1200" dirty="0"/>
-          </a:p>
-        </p:txBody>
-      </p:sp>
-      <p:cxnSp>
-        <p:nvCxnSpPr>
-          <p:cNvPr id="50" name="肘形连接符 49">
-            <a:extLst>
-              <a:ext uri="{FF2B5EF4-FFF2-40B4-BE49-F238E27FC236}">
-                <a16:creationId xmlns:a16="http://schemas.microsoft.com/office/drawing/2014/main" id="{A0B75081-8A66-8D4F-822B-FD3DFF618A5C}"/>
-              </a:ext>
-            </a:extLst>
-          </p:cNvPr>
-          <p:cNvCxnSpPr>
-            <a:cxnSpLocks/>
-            <a:stCxn id="9" idx="0"/>
-            <a:endCxn id="45" idx="2"/>
-          </p:cNvCxnSpPr>
-          <p:nvPr/>
-        </p:nvCxnSpPr>
-        <p:spPr>
-          <a:xfrm rot="16200000" flipV="1">
-            <a:off x="5178744" y="1128268"/>
-            <a:ext cx="779488" cy="2349435"/>
-          </a:xfrm>
-          <a:prstGeom prst="bentConnector3">
-            <a:avLst/>
-          </a:prstGeom>
-          <a:ln>
-            <a:tailEnd type="triangle"/>
-          </a:ln>
-        </p:spPr>
-        <p:style>
-          <a:lnRef idx="1">
-            <a:schemeClr val="accent1"/>
-          </a:lnRef>
-          <a:fillRef idx="0">
-            <a:schemeClr val="accent1"/>
-          </a:fillRef>
-          <a:effectRef idx="0">
-            <a:schemeClr val="accent1"/>
-          </a:effectRef>
-          <a:fontRef idx="minor">
-            <a:schemeClr val="tx1"/>
-          </a:fontRef>
-        </p:style>
-      </p:cxnSp>
     </p:spTree>
     <p:extLst>
       <p:ext uri="{BB962C8B-B14F-4D97-AF65-F5344CB8AC3E}">
